--- a/PPTs/Lecture 12-graphs Exercises.pptx
+++ b/PPTs/Lecture 12-graphs Exercises.pptx
@@ -25785,7 +25785,19 @@
                 <a:cs typeface="Catamaran"/>
                 <a:sym typeface="Catamaran"/>
               </a:rPr>
-              <a:t>starting from either A</a:t>
+              <a:t>starting </a:t>
+            </a:r>
+            <a:r>
+              <a:rPr lang="en" sz="2800" kern="1200">
+                <a:solidFill>
+                  <a:srgbClr val="FF0000"/>
+                </a:solidFill>
+                <a:latin typeface="Quattrocento Sans" panose="020B0502050000020003" pitchFamily="34" charset="0"/>
+                <a:ea typeface="Catamaran"/>
+                <a:cs typeface="Catamaran"/>
+                <a:sym typeface="Catamaran"/>
+              </a:rPr>
+              <a:t>from A</a:t>
             </a:r>
             <a:r>
               <a:rPr lang="en" sz="2800" kern="1200" dirty="0">
